--- a/docs/ERT_presentation_fullres_with_notes.pptx
+++ b/docs/ERT_presentation_fullres_with_notes.pptx
@@ -17,6 +17,9 @@
     <p:sldId id="265" r:id="rId17"/>
     <p:sldId id="266" r:id="rId18"/>
     <p:sldId id="267" r:id="rId19"/>
+    <p:sldId id="268" r:id="rId20"/>
+    <p:sldId id="269" r:id="rId21"/>
+    <p:sldId id="270" r:id="rId22"/>
   </p:sldIdLst>
   <p:sldSz cx="9144000" cy="6858000" type="screen4x3"/>
   <p:notesSz cx="6858000" cy="9144000"/>
@@ -699,7 +702,7 @@
           <a:lstStyle/>
           <a:p>
             <a:r>
-              <a:t>Source image: onscribe-dataflow.png</a:t>
+              <a:t>Source image: onprod-dataflow.png</a:t>
             </a:r>
           </a:p>
         </p:txBody>
@@ -769,7 +772,217 @@
           <a:lstStyle/>
           <a:p>
             <a:r>
+              <a:t>Source image: onscribe-dataflow.png</a:t>
+            </a:r>
+          </a:p>
+        </p:txBody>
+      </p:sp>
+      <p:sp>
+        <p:nvSpPr>
+          <p:cNvPr id="4" name="Slide Number Placeholder 3"/>
+          <p:cNvSpPr>
+            <a:spLocks noGrp="1"/>
+          </p:cNvSpPr>
+          <p:nvPr>
+            <p:ph type="sldNum" idx="5" sz="quarter"/>
+          </p:nvPr>
+        </p:nvSpPr>
+        <p:spPr/>
+      </p:sp>
+    </p:spTree>
+  </p:cSld>
+  <p:clrMapOvr>
+    <a:masterClrMapping/>
+  </p:clrMapOvr>
+</p:notes>
+</file>
+
+<file path=ppt/notesSlides/notesSlide12.xml><?xml version="1.0" encoding="utf-8"?>
+<p:notes xmlns:a="http://schemas.openxmlformats.org/drawingml/2006/main" xmlns:p="http://schemas.openxmlformats.org/presentationml/2006/main" xmlns:r="http://schemas.openxmlformats.org/officeDocument/2006/relationships">
+  <p:cSld>
+    <p:spTree>
+      <p:nvGrpSpPr>
+        <p:cNvPr id="1" name=""/>
+        <p:cNvGrpSpPr/>
+        <p:nvPr/>
+      </p:nvGrpSpPr>
+      <p:grpSpPr>
+        <a:xfrm>
+          <a:off x="0" y="0"/>
+          <a:ext cx="0" cy="0"/>
+          <a:chOff x="0" y="0"/>
+          <a:chExt cx="0" cy="0"/>
+        </a:xfrm>
+      </p:grpSpPr>
+      <p:sp>
+        <p:nvSpPr>
+          <p:cNvPr id="2" name="Slide Image Placeholder 1"/>
+          <p:cNvSpPr>
+            <a:spLocks noGrp="1"/>
+          </p:cNvSpPr>
+          <p:nvPr>
+            <p:ph type="sldImg" idx="2"/>
+          </p:nvPr>
+        </p:nvSpPr>
+        <p:spPr/>
+      </p:sp>
+      <p:sp>
+        <p:nvSpPr>
+          <p:cNvPr id="3" name="Notes Placeholder 2"/>
+          <p:cNvSpPr>
+            <a:spLocks noGrp="1"/>
+          </p:cNvSpPr>
+          <p:nvPr>
+            <p:ph type="body" idx="3" sz="quarter"/>
+          </p:nvPr>
+        </p:nvSpPr>
+        <p:spPr/>
+        <p:txBody>
+          <a:bodyPr/>
+          <a:lstStyle/>
+          <a:p>
+            <a:r>
               <a:t>Source image: onslice-dataflow.png</a:t>
+            </a:r>
+          </a:p>
+        </p:txBody>
+      </p:sp>
+      <p:sp>
+        <p:nvSpPr>
+          <p:cNvPr id="4" name="Slide Number Placeholder 3"/>
+          <p:cNvSpPr>
+            <a:spLocks noGrp="1"/>
+          </p:cNvSpPr>
+          <p:nvPr>
+            <p:ph type="sldNum" idx="5" sz="quarter"/>
+          </p:nvPr>
+        </p:nvSpPr>
+        <p:spPr/>
+      </p:sp>
+    </p:spTree>
+  </p:cSld>
+  <p:clrMapOvr>
+    <a:masterClrMapping/>
+  </p:clrMapOvr>
+</p:notes>
+</file>
+
+<file path=ppt/notesSlides/notesSlide13.xml><?xml version="1.0" encoding="utf-8"?>
+<p:notes xmlns:a="http://schemas.openxmlformats.org/drawingml/2006/main" xmlns:p="http://schemas.openxmlformats.org/presentationml/2006/main" xmlns:r="http://schemas.openxmlformats.org/officeDocument/2006/relationships">
+  <p:cSld>
+    <p:spTree>
+      <p:nvGrpSpPr>
+        <p:cNvPr id="1" name=""/>
+        <p:cNvGrpSpPr/>
+        <p:nvPr/>
+      </p:nvGrpSpPr>
+      <p:grpSpPr>
+        <a:xfrm>
+          <a:off x="0" y="0"/>
+          <a:ext cx="0" cy="0"/>
+          <a:chOff x="0" y="0"/>
+          <a:chExt cx="0" cy="0"/>
+        </a:xfrm>
+      </p:grpSpPr>
+      <p:sp>
+        <p:nvSpPr>
+          <p:cNvPr id="2" name="Slide Image Placeholder 1"/>
+          <p:cNvSpPr>
+            <a:spLocks noGrp="1"/>
+          </p:cNvSpPr>
+          <p:nvPr>
+            <p:ph type="sldImg" idx="2"/>
+          </p:nvPr>
+        </p:nvSpPr>
+        <p:spPr/>
+      </p:sp>
+      <p:sp>
+        <p:nvSpPr>
+          <p:cNvPr id="3" name="Notes Placeholder 2"/>
+          <p:cNvSpPr>
+            <a:spLocks noGrp="1"/>
+          </p:cNvSpPr>
+          <p:nvPr>
+            <p:ph type="body" idx="3" sz="quarter"/>
+          </p:nvPr>
+        </p:nvSpPr>
+        <p:spPr/>
+        <p:txBody>
+          <a:bodyPr/>
+          <a:lstStyle/>
+          <a:p>
+            <a:r>
+              <a:t>Source image: onwmap-level2-config.png</a:t>
+            </a:r>
+          </a:p>
+        </p:txBody>
+      </p:sp>
+      <p:sp>
+        <p:nvSpPr>
+          <p:cNvPr id="4" name="Slide Number Placeholder 3"/>
+          <p:cNvSpPr>
+            <a:spLocks noGrp="1"/>
+          </p:cNvSpPr>
+          <p:nvPr>
+            <p:ph type="sldNum" idx="5" sz="quarter"/>
+          </p:nvPr>
+        </p:nvSpPr>
+        <p:spPr/>
+      </p:sp>
+    </p:spTree>
+  </p:cSld>
+  <p:clrMapOvr>
+    <a:masterClrMapping/>
+  </p:clrMapOvr>
+</p:notes>
+</file>
+
+<file path=ppt/notesSlides/notesSlide14.xml><?xml version="1.0" encoding="utf-8"?>
+<p:notes xmlns:a="http://schemas.openxmlformats.org/drawingml/2006/main" xmlns:p="http://schemas.openxmlformats.org/presentationml/2006/main" xmlns:r="http://schemas.openxmlformats.org/officeDocument/2006/relationships">
+  <p:cSld>
+    <p:spTree>
+      <p:nvGrpSpPr>
+        <p:cNvPr id="1" name=""/>
+        <p:cNvGrpSpPr/>
+        <p:nvPr/>
+      </p:nvGrpSpPr>
+      <p:grpSpPr>
+        <a:xfrm>
+          <a:off x="0" y="0"/>
+          <a:ext cx="0" cy="0"/>
+          <a:chOff x="0" y="0"/>
+          <a:chExt cx="0" cy="0"/>
+        </a:xfrm>
+      </p:grpSpPr>
+      <p:sp>
+        <p:nvSpPr>
+          <p:cNvPr id="2" name="Slide Image Placeholder 1"/>
+          <p:cNvSpPr>
+            <a:spLocks noGrp="1"/>
+          </p:cNvSpPr>
+          <p:nvPr>
+            <p:ph type="sldImg" idx="2"/>
+          </p:nvPr>
+        </p:nvSpPr>
+        <p:spPr/>
+      </p:sp>
+      <p:sp>
+        <p:nvSpPr>
+          <p:cNvPr id="3" name="Notes Placeholder 2"/>
+          <p:cNvSpPr>
+            <a:spLocks noGrp="1"/>
+          </p:cNvSpPr>
+          <p:nvPr>
+            <p:ph type="body" idx="3" sz="quarter"/>
+          </p:nvPr>
+        </p:nvSpPr>
+        <p:spPr/>
+        <p:txBody>
+          <a:bodyPr/>
+          <a:lstStyle/>
+          <a:p>
+            <a:r>
+              <a:t>Source image: onwmap-level2-product.png</a:t>
             </a:r>
           </a:p>
         </p:txBody>
@@ -2725,7 +2938,182 @@
           <a:lstStyle/>
           <a:p>
             <a:r>
-              <a:t>Source image: ert-overview.png</a:t>
+              <a:t>flowchart TD</a:t>
+            </a:r>
+          </a:p>
+          <a:p>
+            <a:r>
+              <a:t>    Client[(API Consumer)] --&gt; Controller[OnWmapController GET onwmap byproduct endpoint params]</a:t>
+            </a:r>
+          </a:p>
+          <a:p>
+            <a:r>
+              <a:t>    Controller --&gt; Normalize[Uppercase keys serviceKey product searchedLotPart fab dataType]</a:t>
+            </a:r>
+          </a:p>
+          <a:p>
+            <a:r>
+              <a:t>    Normalize --&gt; ResolveFab[OnFabConfService.getByFabAndDataTypeOrFabOnly]</a:t>
+            </a:r>
+          </a:p>
+          <a:p>
+            <a:r>
+              <a:t>    ResolveFab --&gt; HasMatchup{Matchup URL present?}</a:t>
+            </a:r>
+          </a:p>
+          <a:p/>
+          <a:p>
+            <a:r>
+              <a:t>    HasMatchup -- Yes --&gt; MatchupCall[MatchupLoader.loadMatchupByLotScribeEndDate]</a:t>
+            </a:r>
+          </a:p>
+          <a:p>
+            <a:r>
+              <a:t>    MatchupCall --&gt; MatchupResult{Matchup status FOUND?}</a:t>
+            </a:r>
+          </a:p>
+          <a:p>
+            <a:r>
+              <a:t>    MatchupResult -- Yes --&gt; UseCfgId[Extract idWaferMapConfiguration]</a:t>
+            </a:r>
+          </a:p>
+          <a:p>
+            <a:r>
+              <a:t>    UseCfgId --&gt; ServiceCfg[OnWmapService.findByCfgId]</a:t>
+            </a:r>
+          </a:p>
+          <a:p>
+            <a:r>
+              <a:t>    ServiceCfg --&gt; RepoCfg[OnWmapRepository.findByCfgId]</a:t>
+            </a:r>
+          </a:p>
+          <a:p>
+            <a:r>
+              <a:t>    RepoCfg -- Found &amp; complete --&gt; MapFoundCfg[Map cached OnWmap]</a:t>
+            </a:r>
+          </a:p>
+          <a:p>
+            <a:r>
+              <a:t>    RepoCfg -- Missing --&gt; WmcUrlCfg[Resolve WMC URL from OnFabConf or ErtConf]</a:t>
+            </a:r>
+          </a:p>
+          <a:p>
+            <a:r>
+              <a:t>    WmcUrlCfg --&gt; CallerCfg[Caller.getWmcByWmcId]</a:t>
+            </a:r>
+          </a:p>
+          <a:p>
+            <a:r>
+              <a:t>    CallerCfg --&gt; AggregateCfg[caller.assignWmcResults]</a:t>
+            </a:r>
+          </a:p>
+          <a:p>
+            <a:r>
+              <a:t>    AggregateCfg --&gt; PersistCfg[OnWmapRepository.save]</a:t>
+            </a:r>
+          </a:p>
+          <a:p>
+            <a:r>
+              <a:t>    PersistCfg --&gt; MapFoundCfg</a:t>
+            </a:r>
+          </a:p>
+          <a:p/>
+          <a:p>
+            <a:r>
+              <a:t>    MatchupResult -- No --&gt; FallbackService[Invoke Service path]</a:t>
+            </a:r>
+          </a:p>
+          <a:p/>
+          <a:p>
+            <a:r>
+              <a:t>    HasMatchup -- No --&gt; FallbackService</a:t>
+            </a:r>
+          </a:p>
+          <a:p/>
+          <a:p>
+            <a:r>
+              <a:t>    FallbackService --&gt; ServiceProd[OnWmapService.findByProduct]</a:t>
+            </a:r>
+          </a:p>
+          <a:p>
+            <a:r>
+              <a:t>    ServiceProd --&gt; RepoProd[OnWmapRepository.findByProduct]</a:t>
+            </a:r>
+          </a:p>
+          <a:p>
+            <a:r>
+              <a:t>    RepoProd -- Found &amp; complete --&gt; MapFoundProd[Map cached OnWmap]</a:t>
+            </a:r>
+          </a:p>
+          <a:p>
+            <a:r>
+              <a:t>    RepoProd -- Missing --&gt; WmcUrlProd[Resolve WMC URL from OnFabConf or ErtConf]</a:t>
+            </a:r>
+          </a:p>
+          <a:p>
+            <a:r>
+              <a:t>    WmcUrlProd --&gt; CallerPrimary[Caller.getWmcByDevice using serviceKey]</a:t>
+            </a:r>
+          </a:p>
+          <a:p>
+            <a:r>
+              <a:t>    CallerPrimary --&gt; PrimaryFound{WMC result?}</a:t>
+            </a:r>
+          </a:p>
+          <a:p>
+            <a:r>
+              <a:t>    PrimaryFound -- No --&gt; CallerSecondary[Caller.getWmcByDevice using product with PCM fallback]</a:t>
+            </a:r>
+          </a:p>
+          <a:p>
+            <a:r>
+              <a:t>    CallerSecondary --&gt; SecondaryFound{WMC result?}</a:t>
+            </a:r>
+          </a:p>
+          <a:p>
+            <a:r>
+              <a:t>    SecondaryFound -- No --&gt; NoData[Return DTO Status.NO_DATA]</a:t>
+            </a:r>
+          </a:p>
+          <a:p>
+            <a:r>
+              <a:t>    SecondaryFound -- Yes --&gt; AggregateProd[caller.assignWmcResults]</a:t>
+            </a:r>
+          </a:p>
+          <a:p>
+            <a:r>
+              <a:t>    PrimaryFound -- Yes --&gt; AggregateProd</a:t>
+            </a:r>
+          </a:p>
+          <a:p>
+            <a:r>
+              <a:t>    AggregateProd --&gt; PersistProd[OnWmapRepository.save]</a:t>
+            </a:r>
+          </a:p>
+          <a:p>
+            <a:r>
+              <a:t>    PersistProd --&gt; MapFoundProd</a:t>
+            </a:r>
+          </a:p>
+          <a:p/>
+          <a:p>
+            <a:r>
+              <a:t>    MapFoundCfg --&gt; ControllerResponse[Controller builds HTTP 200]</a:t>
+            </a:r>
+          </a:p>
+          <a:p>
+            <a:r>
+              <a:t>    MapFoundProd --&gt; ControllerResponse</a:t>
+            </a:r>
+          </a:p>
+          <a:p>
+            <a:r>
+              <a:t>    NoData --&gt; ControllerResponse</a:t>
+            </a:r>
+          </a:p>
+          <a:p>
+            <a:r>
+              <a:t>    ControllerResponse --&gt; ClientResponse[(HTTP 200 JSON)]</a:t>
             </a:r>
           </a:p>
         </p:txBody>
@@ -2795,7 +3183,7 @@
           <a:lstStyle/>
           <a:p>
             <a:r>
-              <a:t>Source image: onlot-dataflow.png</a:t>
+              <a:t>Source image: ert-overview.png</a:t>
             </a:r>
           </a:p>
         </p:txBody>
@@ -2865,7 +3253,7 @@
           <a:lstStyle/>
           <a:p>
             <a:r>
-              <a:t>Source image: onprod-dataflow.png</a:t>
+              <a:t>Source image: onlot-dataflow.png</a:t>
             </a:r>
           </a:p>
         </p:txBody>
@@ -5947,39 +6335,35 @@
           <a:lstStyle/>
           <a:p>
             <a:r>
-              <a:t>ONPROD DATAFLOW</a:t>
-            </a:r>
-          </a:p>
-        </p:txBody>
-      </p:sp>
-      <p:sp>
-        <p:nvSpPr>
-          <p:cNvPr id="3" name="TextBox 2"/>
-          <p:cNvSpPr txBox="1"/>
+              <a:t>ONLOT DATAFLOW</a:t>
+            </a:r>
+          </a:p>
+        </p:txBody>
+      </p:sp>
+      <p:pic>
+        <p:nvPicPr>
+          <p:cNvPr id="3" name="Picture 2" descr="onlot-dataflow.png"/>
+          <p:cNvPicPr>
+            <a:picLocks noChangeAspect="1"/>
+          </p:cNvPicPr>
           <p:nvPr/>
-        </p:nvSpPr>
+        </p:nvPicPr>
+        <p:blipFill>
+          <a:blip r:embed="rId2"/>
+          <a:stretch>
+            <a:fillRect/>
+          </a:stretch>
+        </p:blipFill>
         <p:spPr>
           <a:xfrm>
             <a:off x="457200" y="1097280"/>
-            <a:ext cx="8229600" cy="914400"/>
+            <a:ext cx="35191700" cy="27101800"/>
           </a:xfrm>
           <a:prstGeom prst="rect">
             <a:avLst/>
           </a:prstGeom>
-          <a:noFill/>
         </p:spPr>
-        <p:txBody>
-          <a:bodyPr wrap="none">
-            <a:spAutoFit/>
-          </a:bodyPr>
-          <a:lstStyle/>
-          <a:p>
-            <a:r>
-              <a:t>[Could not render image: onprod-dataflow.png]</a:t>
-            </a:r>
-          </a:p>
-        </p:txBody>
-      </p:sp>
+      </p:pic>
     </p:spTree>
   </p:cSld>
   <p:clrMapOvr>
@@ -6014,39 +6398,35 @@
           <a:lstStyle/>
           <a:p>
             <a:r>
-              <a:t>ONSCRIBE DATAFLOW</a:t>
-            </a:r>
-          </a:p>
-        </p:txBody>
-      </p:sp>
-      <p:sp>
-        <p:nvSpPr>
-          <p:cNvPr id="3" name="TextBox 2"/>
-          <p:cNvSpPr txBox="1"/>
+              <a:t>ONPROD DATAFLOW</a:t>
+            </a:r>
+          </a:p>
+        </p:txBody>
+      </p:sp>
+      <p:pic>
+        <p:nvPicPr>
+          <p:cNvPr id="3" name="Picture 2" descr="onprod-dataflow.png"/>
+          <p:cNvPicPr>
+            <a:picLocks noChangeAspect="1"/>
+          </p:cNvPicPr>
           <p:nvPr/>
-        </p:nvSpPr>
+        </p:nvPicPr>
+        <p:blipFill>
+          <a:blip r:embed="rId2"/>
+          <a:stretch>
+            <a:fillRect/>
+          </a:stretch>
+        </p:blipFill>
         <p:spPr>
           <a:xfrm>
             <a:off x="457200" y="1097280"/>
-            <a:ext cx="8229600" cy="914400"/>
+            <a:ext cx="23952200" cy="23152100"/>
           </a:xfrm>
           <a:prstGeom prst="rect">
             <a:avLst/>
           </a:prstGeom>
-          <a:noFill/>
         </p:spPr>
-        <p:txBody>
-          <a:bodyPr wrap="none">
-            <a:spAutoFit/>
-          </a:bodyPr>
-          <a:lstStyle/>
-          <a:p>
-            <a:r>
-              <a:t>[Could not render image: onscribe-dataflow.png]</a:t>
-            </a:r>
-          </a:p>
-        </p:txBody>
-      </p:sp>
+      </p:pic>
     </p:spTree>
   </p:cSld>
   <p:clrMapOvr>
@@ -6081,39 +6461,224 @@
           <a:lstStyle/>
           <a:p>
             <a:r>
-              <a:t>ONSLICE DATAFLOW</a:t>
-            </a:r>
-          </a:p>
-        </p:txBody>
-      </p:sp>
-      <p:sp>
-        <p:nvSpPr>
-          <p:cNvPr id="3" name="TextBox 2"/>
-          <p:cNvSpPr txBox="1"/>
+              <a:t>ONSCRIBE DATAFLOW</a:t>
+            </a:r>
+          </a:p>
+        </p:txBody>
+      </p:sp>
+      <p:pic>
+        <p:nvPicPr>
+          <p:cNvPr id="3" name="Picture 2" descr="onscribe-dataflow.png"/>
+          <p:cNvPicPr>
+            <a:picLocks noChangeAspect="1"/>
+          </p:cNvPicPr>
           <p:nvPr/>
-        </p:nvSpPr>
+        </p:nvPicPr>
+        <p:blipFill>
+          <a:blip r:embed="rId2"/>
+          <a:stretch>
+            <a:fillRect/>
+          </a:stretch>
+        </p:blipFill>
         <p:spPr>
           <a:xfrm>
             <a:off x="457200" y="1097280"/>
-            <a:ext cx="8229600" cy="914400"/>
+            <a:ext cx="45821600" cy="32740600"/>
           </a:xfrm>
           <a:prstGeom prst="rect">
             <a:avLst/>
           </a:prstGeom>
-          <a:noFill/>
         </p:spPr>
-        <p:txBody>
-          <a:bodyPr wrap="none">
-            <a:spAutoFit/>
-          </a:bodyPr>
+      </p:pic>
+    </p:spTree>
+  </p:cSld>
+  <p:clrMapOvr>
+    <a:masterClrMapping/>
+  </p:clrMapOvr>
+</p:sld>
+</file>
+
+<file path=ppt/slides/slide13.xml><?xml version="1.0" encoding="utf-8"?>
+<p:sld xmlns:a="http://schemas.openxmlformats.org/drawingml/2006/main" xmlns:p="http://schemas.openxmlformats.org/presentationml/2006/main" xmlns:r="http://schemas.openxmlformats.org/officeDocument/2006/relationships">
+  <p:cSld>
+    <p:spTree>
+      <p:nvGrpSpPr>
+        <p:cNvPr id="1" name=""/>
+        <p:cNvGrpSpPr/>
+        <p:nvPr/>
+      </p:nvGrpSpPr>
+      <p:grpSpPr/>
+      <p:sp>
+        <p:nvSpPr>
+          <p:cNvPr id="2" name="Title 1"/>
+          <p:cNvSpPr>
+            <a:spLocks noGrp="1"/>
+          </p:cNvSpPr>
+          <p:nvPr>
+            <p:ph type="title"/>
+          </p:nvPr>
+        </p:nvSpPr>
+        <p:spPr/>
+        <p:txBody>
+          <a:bodyPr/>
           <a:lstStyle/>
           <a:p>
             <a:r>
-              <a:t>[Could not render image: onslice-dataflow.png]</a:t>
-            </a:r>
-          </a:p>
-        </p:txBody>
-      </p:sp>
+              <a:t>ONSLICE DATAFLOW</a:t>
+            </a:r>
+          </a:p>
+        </p:txBody>
+      </p:sp>
+      <p:pic>
+        <p:nvPicPr>
+          <p:cNvPr id="3" name="Picture 2" descr="onslice-dataflow.png"/>
+          <p:cNvPicPr>
+            <a:picLocks noChangeAspect="1"/>
+          </p:cNvPicPr>
+          <p:nvPr/>
+        </p:nvPicPr>
+        <p:blipFill>
+          <a:blip r:embed="rId2"/>
+          <a:stretch>
+            <a:fillRect/>
+          </a:stretch>
+        </p:blipFill>
+        <p:spPr>
+          <a:xfrm>
+            <a:off x="457200" y="1097280"/>
+            <a:ext cx="32550100" cy="16510000"/>
+          </a:xfrm>
+          <a:prstGeom prst="rect">
+            <a:avLst/>
+          </a:prstGeom>
+        </p:spPr>
+      </p:pic>
+    </p:spTree>
+  </p:cSld>
+  <p:clrMapOvr>
+    <a:masterClrMapping/>
+  </p:clrMapOvr>
+</p:sld>
+</file>
+
+<file path=ppt/slides/slide14.xml><?xml version="1.0" encoding="utf-8"?>
+<p:sld xmlns:a="http://schemas.openxmlformats.org/drawingml/2006/main" xmlns:p="http://schemas.openxmlformats.org/presentationml/2006/main" xmlns:r="http://schemas.openxmlformats.org/officeDocument/2006/relationships">
+  <p:cSld>
+    <p:spTree>
+      <p:nvGrpSpPr>
+        <p:cNvPr id="1" name=""/>
+        <p:cNvGrpSpPr/>
+        <p:nvPr/>
+      </p:nvGrpSpPr>
+      <p:grpSpPr/>
+      <p:sp>
+        <p:nvSpPr>
+          <p:cNvPr id="2" name="Title 1"/>
+          <p:cNvSpPr>
+            <a:spLocks noGrp="1"/>
+          </p:cNvSpPr>
+          <p:nvPr>
+            <p:ph type="title"/>
+          </p:nvPr>
+        </p:nvSpPr>
+        <p:spPr/>
+        <p:txBody>
+          <a:bodyPr/>
+          <a:lstStyle/>
+          <a:p>
+            <a:r>
+              <a:t>ONWMAP LEVEL2 CONFIG</a:t>
+            </a:r>
+          </a:p>
+        </p:txBody>
+      </p:sp>
+      <p:pic>
+        <p:nvPicPr>
+          <p:cNvPr id="3" name="Picture 2" descr="onwmap-level2-config.png"/>
+          <p:cNvPicPr>
+            <a:picLocks noChangeAspect="1"/>
+          </p:cNvPicPr>
+          <p:nvPr/>
+        </p:nvPicPr>
+        <p:blipFill>
+          <a:blip r:embed="rId2"/>
+          <a:stretch>
+            <a:fillRect/>
+          </a:stretch>
+        </p:blipFill>
+        <p:spPr>
+          <a:xfrm>
+            <a:off x="457200" y="1097280"/>
+            <a:ext cx="7175500" cy="29552900"/>
+          </a:xfrm>
+          <a:prstGeom prst="rect">
+            <a:avLst/>
+          </a:prstGeom>
+        </p:spPr>
+      </p:pic>
+    </p:spTree>
+  </p:cSld>
+  <p:clrMapOvr>
+    <a:masterClrMapping/>
+  </p:clrMapOvr>
+</p:sld>
+</file>
+
+<file path=ppt/slides/slide15.xml><?xml version="1.0" encoding="utf-8"?>
+<p:sld xmlns:a="http://schemas.openxmlformats.org/drawingml/2006/main" xmlns:p="http://schemas.openxmlformats.org/presentationml/2006/main" xmlns:r="http://schemas.openxmlformats.org/officeDocument/2006/relationships">
+  <p:cSld>
+    <p:spTree>
+      <p:nvGrpSpPr>
+        <p:cNvPr id="1" name=""/>
+        <p:cNvGrpSpPr/>
+        <p:nvPr/>
+      </p:nvGrpSpPr>
+      <p:grpSpPr/>
+      <p:sp>
+        <p:nvSpPr>
+          <p:cNvPr id="2" name="Title 1"/>
+          <p:cNvSpPr>
+            <a:spLocks noGrp="1"/>
+          </p:cNvSpPr>
+          <p:nvPr>
+            <p:ph type="title"/>
+          </p:nvPr>
+        </p:nvSpPr>
+        <p:spPr/>
+        <p:txBody>
+          <a:bodyPr/>
+          <a:lstStyle/>
+          <a:p>
+            <a:r>
+              <a:t>ONWMAP LEVEL2 PRODUCT</a:t>
+            </a:r>
+          </a:p>
+        </p:txBody>
+      </p:sp>
+      <p:pic>
+        <p:nvPicPr>
+          <p:cNvPr id="3" name="Picture 2" descr="onwmap-level2-product.png"/>
+          <p:cNvPicPr>
+            <a:picLocks noChangeAspect="1"/>
+          </p:cNvPicPr>
+          <p:nvPr/>
+        </p:nvPicPr>
+        <p:blipFill>
+          <a:blip r:embed="rId2"/>
+          <a:stretch>
+            <a:fillRect/>
+          </a:stretch>
+        </p:blipFill>
+        <p:spPr>
+          <a:xfrm>
+            <a:off x="457200" y="1097280"/>
+            <a:ext cx="9690100" cy="26098500"/>
+          </a:xfrm>
+          <a:prstGeom prst="rect">
+            <a:avLst/>
+          </a:prstGeom>
+        </p:spPr>
+      </p:pic>
     </p:spTree>
   </p:cSld>
   <p:clrMapOvr>
@@ -6862,35 +7427,87 @@
           <a:lstStyle/>
           <a:p>
             <a:r>
-              <a:t>ERT OVERVIEW</a:t>
-            </a:r>
-          </a:p>
-        </p:txBody>
-      </p:sp>
-      <p:sp>
-        <p:nvSpPr>
-          <p:cNvPr id="3" name="TextBox 2"/>
-          <p:cNvSpPr txBox="1"/>
-          <p:nvPr/>
-        </p:nvSpPr>
-        <p:spPr>
-          <a:xfrm>
-            <a:off x="457200" y="1097280"/>
-            <a:ext cx="8229600" cy="914400"/>
-          </a:xfrm>
-          <a:prstGeom prst="rect">
-            <a:avLst/>
-          </a:prstGeom>
-          <a:noFill/>
-        </p:spPr>
-        <p:txBody>
-          <a:bodyPr wrap="none">
-            <a:spAutoFit/>
-          </a:bodyPr>
+              <a:t>OnWmap</a:t>
+            </a:r>
+          </a:p>
+        </p:txBody>
+      </p:sp>
+      <p:sp>
+        <p:nvSpPr>
+          <p:cNvPr id="3" name="Content Placeholder 2"/>
+          <p:cNvSpPr>
+            <a:spLocks noGrp="1"/>
+          </p:cNvSpPr>
+          <p:nvPr>
+            <p:ph idx="1"/>
+          </p:nvPr>
+        </p:nvSpPr>
+        <p:spPr/>
+        <p:txBody>
+          <a:bodyPr/>
           <a:lstStyle/>
           <a:p>
-            <a:r>
-              <a:t>[Could not render image: ert-overview.png]</a:t>
+            <a:pPr>
+              <a:defRPr sz="1800"/>
+            </a:pPr>
+            <a:r>
+              <a:t>flowchart TD</a:t>
+            </a:r>
+          </a:p>
+          <a:p>
+            <a:pPr>
+              <a:defRPr sz="1800"/>
+            </a:pPr>
+            <a:r>
+              <a:t>Client[(API Consumer)] --&gt; Controller[OnWmapController GET onwmap byproduct endpoint params]</a:t>
+            </a:r>
+          </a:p>
+          <a:p>
+            <a:pPr>
+              <a:defRPr sz="1800"/>
+            </a:pPr>
+            <a:r>
+              <a:t>Controller --&gt; Normalize[Uppercase keys serviceKey product searchedLotPart fab dataType]</a:t>
+            </a:r>
+          </a:p>
+          <a:p>
+            <a:pPr>
+              <a:defRPr sz="1800"/>
+            </a:pPr>
+            <a:r>
+              <a:t>Normalize --&gt; ResolveFab[OnFabConfService.getByFabAndDataTypeOrFabOnly]</a:t>
+            </a:r>
+          </a:p>
+          <a:p>
+            <a:pPr>
+              <a:defRPr sz="1800"/>
+            </a:pPr>
+            <a:r>
+              <a:t>ResolveFab --&gt; HasMatchup{Matchup URL present?}</a:t>
+            </a:r>
+          </a:p>
+          <a:p>
+            <a:pPr>
+              <a:defRPr sz="1800"/>
+            </a:pPr>
+            <a:r>
+              <a:t>HasMatchup -- Yes --&gt; MatchupCall[MatchupLoader.loadMatchupByLotScribeEndDate]</a:t>
+            </a:r>
+          </a:p>
+          <a:p>
+            <a:pPr>
+              <a:defRPr sz="1800"/>
+            </a:pPr>
+            <a:r>
+              <a:t>MatchupCall --&gt; MatchupResult{Matchup status FOUND?}</a:t>
+            </a:r>
+          </a:p>
+          <a:p>
+            <a:pPr>
+              <a:defRPr sz="1800"/>
+            </a:pPr>
+            <a:r>
+              <a:t>MatchupResult -- Yes --&gt; UseCfgId[Extract idWaferMapConfiguration]</a:t>
             </a:r>
           </a:p>
         </p:txBody>
@@ -6929,39 +7546,35 @@
           <a:lstStyle/>
           <a:p>
             <a:r>
-              <a:t>ONLOT DATAFLOW</a:t>
-            </a:r>
-          </a:p>
-        </p:txBody>
-      </p:sp>
-      <p:sp>
-        <p:nvSpPr>
-          <p:cNvPr id="3" name="TextBox 2"/>
-          <p:cNvSpPr txBox="1"/>
+              <a:t>ERT OVERVIEW</a:t>
+            </a:r>
+          </a:p>
+        </p:txBody>
+      </p:sp>
+      <p:pic>
+        <p:nvPicPr>
+          <p:cNvPr id="3" name="Picture 2" descr="ert-overview.png"/>
+          <p:cNvPicPr>
+            <a:picLocks noChangeAspect="1"/>
+          </p:cNvPicPr>
           <p:nvPr/>
-        </p:nvSpPr>
+        </p:nvPicPr>
+        <p:blipFill>
+          <a:blip r:embed="rId2"/>
+          <a:stretch>
+            <a:fillRect/>
+          </a:stretch>
+        </p:blipFill>
         <p:spPr>
           <a:xfrm>
             <a:off x="457200" y="1097280"/>
-            <a:ext cx="8229600" cy="914400"/>
+            <a:ext cx="22847300" cy="35801300"/>
           </a:xfrm>
           <a:prstGeom prst="rect">
             <a:avLst/>
           </a:prstGeom>
-          <a:noFill/>
         </p:spPr>
-        <p:txBody>
-          <a:bodyPr wrap="none">
-            <a:spAutoFit/>
-          </a:bodyPr>
-          <a:lstStyle/>
-          <a:p>
-            <a:r>
-              <a:t>[Could not render image: onlot-dataflow.png]</a:t>
-            </a:r>
-          </a:p>
-        </p:txBody>
-      </p:sp>
+      </p:pic>
     </p:spTree>
   </p:cSld>
   <p:clrMapOvr>
